--- a/01 - Agent Architectures/slides.pptx
+++ b/01 - Agent Architectures/slides.pptx
@@ -287,7 +287,7 @@
 <file path=ppt/revisionInfo.xml><?xml version="1.0" encoding="utf-8"?>
 <p1510:revInfo xmlns:a="http://schemas.openxmlformats.org/drawingml/2006/main" xmlns:r="http://schemas.openxmlformats.org/officeDocument/2006/relationships" xmlns:p1510="http://schemas.microsoft.com/office/powerpoint/2015/10/main">
   <p1510:revLst>
-    <p1510:client id="{DD4EE269-E3D1-3345-BAC8-AA07F1B659C9}" v="83" dt="2025-09-08T11:10:40.142"/>
+    <p1510:client id="{DD4EE269-E3D1-3345-BAC8-AA07F1B659C9}" v="90" dt="2025-09-25T14:24:22.027"/>
   </p1510:revLst>
 </p1510:revInfo>
 </file>
@@ -297,7 +297,7 @@
   <pc:docChgLst>
     <pc:chgData name="Riccardo Berta" userId="c8694f89-bba4-4576-b0a8-456619ca5a8c" providerId="ADAL" clId="{FDDBFC5A-5EA9-5330-BEB8-433D7E3B4C4E}"/>
     <pc:docChg chg="undo custSel addSld delSld modSld sldOrd">
-      <pc:chgData name="Riccardo Berta" userId="c8694f89-bba4-4576-b0a8-456619ca5a8c" providerId="ADAL" clId="{FDDBFC5A-5EA9-5330-BEB8-433D7E3B4C4E}" dt="2025-09-08T11:12:32.861" v="3354" actId="2696"/>
+      <pc:chgData name="Riccardo Berta" userId="c8694f89-bba4-4576-b0a8-456619ca5a8c" providerId="ADAL" clId="{FDDBFC5A-5EA9-5330-BEB8-433D7E3B4C4E}" dt="2025-09-25T14:24:28.086" v="3569" actId="113"/>
       <pc:docMkLst>
         <pc:docMk/>
       </pc:docMkLst>
@@ -375,38 +375,6 @@
           <pc:docMk/>
           <pc:sldMk cId="3824210513" sldId="265"/>
         </pc:sldMkLst>
-        <pc:spChg chg="mod">
-          <ac:chgData name="Riccardo Berta" userId="c8694f89-bba4-4576-b0a8-456619ca5a8c" providerId="ADAL" clId="{FDDBFC5A-5EA9-5330-BEB8-433D7E3B4C4E}" dt="2025-09-08T05:39:51.517" v="516"/>
-          <ac:spMkLst>
-            <pc:docMk/>
-            <pc:sldMk cId="3824210513" sldId="265"/>
-            <ac:spMk id="83" creationId="{261ED04C-2598-F595-F4C8-D4B5BBB54114}"/>
-          </ac:spMkLst>
-        </pc:spChg>
-        <pc:spChg chg="mod">
-          <ac:chgData name="Riccardo Berta" userId="c8694f89-bba4-4576-b0a8-456619ca5a8c" providerId="ADAL" clId="{FDDBFC5A-5EA9-5330-BEB8-433D7E3B4C4E}" dt="2025-09-08T05:39:58.848" v="518" actId="20577"/>
-          <ac:spMkLst>
-            <pc:docMk/>
-            <pc:sldMk cId="3824210513" sldId="265"/>
-            <ac:spMk id="84" creationId="{E11ED579-0B8F-B257-6B31-D31E982EB47E}"/>
-          </ac:spMkLst>
-        </pc:spChg>
-        <pc:picChg chg="del">
-          <ac:chgData name="Riccardo Berta" userId="c8694f89-bba4-4576-b0a8-456619ca5a8c" providerId="ADAL" clId="{FDDBFC5A-5EA9-5330-BEB8-433D7E3B4C4E}" dt="2025-09-08T05:11:41.219" v="199" actId="478"/>
-          <ac:picMkLst>
-            <pc:docMk/>
-            <pc:sldMk cId="3824210513" sldId="265"/>
-            <ac:picMk id="3" creationId="{39FA12CD-2437-2555-C9EA-86FA1CC973F6}"/>
-          </ac:picMkLst>
-        </pc:picChg>
-        <pc:picChg chg="add del mod">
-          <ac:chgData name="Riccardo Berta" userId="c8694f89-bba4-4576-b0a8-456619ca5a8c" providerId="ADAL" clId="{FDDBFC5A-5EA9-5330-BEB8-433D7E3B4C4E}" dt="2025-09-08T05:39:56.554" v="517" actId="478"/>
-          <ac:picMkLst>
-            <pc:docMk/>
-            <pc:sldMk cId="3824210513" sldId="265"/>
-            <ac:picMk id="4" creationId="{C93DA255-830C-6E2E-5239-981486AD4FE9}"/>
-          </ac:picMkLst>
-        </pc:picChg>
       </pc:sldChg>
       <pc:sldChg chg="del">
         <pc:chgData name="Riccardo Berta" userId="c8694f89-bba4-4576-b0a8-456619ca5a8c" providerId="ADAL" clId="{FDDBFC5A-5EA9-5330-BEB8-433D7E3B4C4E}" dt="2025-09-08T04:59:14.669" v="26" actId="2696"/>
@@ -452,17 +420,9 @@
             <ac:picMk id="3" creationId="{AA054C9B-DD2E-20C8-DA97-040F17B43534}"/>
           </ac:picMkLst>
         </pc:picChg>
-        <pc:picChg chg="del">
-          <ac:chgData name="Riccardo Berta" userId="c8694f89-bba4-4576-b0a8-456619ca5a8c" providerId="ADAL" clId="{FDDBFC5A-5EA9-5330-BEB8-433D7E3B4C4E}" dt="2025-09-08T05:25:53.563" v="478" actId="478"/>
-          <ac:picMkLst>
-            <pc:docMk/>
-            <pc:sldMk cId="2574779397" sldId="266"/>
-            <ac:picMk id="4" creationId="{9969053A-A040-9F1A-BD7D-2259922CAD2B}"/>
-          </ac:picMkLst>
-        </pc:picChg>
-      </pc:sldChg>
-      <pc:sldChg chg="addSp modSp add mod">
-        <pc:chgData name="Riccardo Berta" userId="c8694f89-bba4-4576-b0a8-456619ca5a8c" providerId="ADAL" clId="{FDDBFC5A-5EA9-5330-BEB8-433D7E3B4C4E}" dt="2025-09-08T07:12:44.899" v="1431" actId="20577"/>
+      </pc:sldChg>
+      <pc:sldChg chg="addSp delSp modSp add mod">
+        <pc:chgData name="Riccardo Berta" userId="c8694f89-bba4-4576-b0a8-456619ca5a8c" providerId="ADAL" clId="{FDDBFC5A-5EA9-5330-BEB8-433D7E3B4C4E}" dt="2025-09-24T11:16:05.689" v="3537" actId="21"/>
         <pc:sldMkLst>
           <pc:docMk/>
           <pc:sldMk cId="632147328" sldId="267"/>
@@ -476,7 +436,7 @@
           </ac:spMkLst>
         </pc:spChg>
         <pc:spChg chg="mod">
-          <ac:chgData name="Riccardo Berta" userId="c8694f89-bba4-4576-b0a8-456619ca5a8c" providerId="ADAL" clId="{FDDBFC5A-5EA9-5330-BEB8-433D7E3B4C4E}" dt="2025-09-08T07:12:32.656" v="1427" actId="20577"/>
+          <ac:chgData name="Riccardo Berta" userId="c8694f89-bba4-4576-b0a8-456619ca5a8c" providerId="ADAL" clId="{FDDBFC5A-5EA9-5330-BEB8-433D7E3B4C4E}" dt="2025-09-24T05:36:31.792" v="3356" actId="20577"/>
           <ac:spMkLst>
             <pc:docMk/>
             <pc:sldMk cId="632147328" sldId="267"/>
@@ -499,6 +459,14 @@
             <ac:picMk id="4" creationId="{78ED9D3A-9D72-8AF6-1603-ACD90F4D26C5}"/>
           </ac:picMkLst>
         </pc:picChg>
+        <pc:picChg chg="add del mod">
+          <ac:chgData name="Riccardo Berta" userId="c8694f89-bba4-4576-b0a8-456619ca5a8c" providerId="ADAL" clId="{FDDBFC5A-5EA9-5330-BEB8-433D7E3B4C4E}" dt="2025-09-24T11:16:05.689" v="3537" actId="21"/>
+          <ac:picMkLst>
+            <pc:docMk/>
+            <pc:sldMk cId="632147328" sldId="267"/>
+            <ac:picMk id="5" creationId="{DE0ADD2B-6FFF-FAF2-72A4-2CA5C03FE7DC}"/>
+          </ac:picMkLst>
+        </pc:picChg>
       </pc:sldChg>
       <pc:sldChg chg="del">
         <pc:chgData name="Riccardo Berta" userId="c8694f89-bba4-4576-b0a8-456619ca5a8c" providerId="ADAL" clId="{FDDBFC5A-5EA9-5330-BEB8-433D7E3B4C4E}" dt="2025-09-08T04:59:15.226" v="27" actId="2696"/>
@@ -508,7 +476,7 @@
         </pc:sldMkLst>
       </pc:sldChg>
       <pc:sldChg chg="addSp delSp modSp add mod">
-        <pc:chgData name="Riccardo Berta" userId="c8694f89-bba4-4576-b0a8-456619ca5a8c" providerId="ADAL" clId="{FDDBFC5A-5EA9-5330-BEB8-433D7E3B4C4E}" dt="2025-09-08T07:12:52.363" v="1437" actId="20577"/>
+        <pc:chgData name="Riccardo Berta" userId="c8694f89-bba4-4576-b0a8-456619ca5a8c" providerId="ADAL" clId="{FDDBFC5A-5EA9-5330-BEB8-433D7E3B4C4E}" dt="2025-09-24T11:16:50.033" v="3567" actId="1076"/>
         <pc:sldMkLst>
           <pc:docMk/>
           <pc:sldMk cId="757365480" sldId="268"/>
@@ -522,21 +490,29 @@
           </ac:spMkLst>
         </pc:spChg>
         <pc:spChg chg="mod">
-          <ac:chgData name="Riccardo Berta" userId="c8694f89-bba4-4576-b0a8-456619ca5a8c" providerId="ADAL" clId="{FDDBFC5A-5EA9-5330-BEB8-433D7E3B4C4E}" dt="2025-09-08T06:45:36.822" v="1094" actId="113"/>
+          <ac:chgData name="Riccardo Berta" userId="c8694f89-bba4-4576-b0a8-456619ca5a8c" providerId="ADAL" clId="{FDDBFC5A-5EA9-5330-BEB8-433D7E3B4C4E}" dt="2025-09-24T11:16:43.180" v="3566" actId="20577"/>
           <ac:spMkLst>
             <pc:docMk/>
             <pc:sldMk cId="757365480" sldId="268"/>
             <ac:spMk id="84" creationId="{8ECC1E0B-7A2D-417D-FAE1-909D1C1AEE69}"/>
           </ac:spMkLst>
         </pc:spChg>
-        <pc:picChg chg="add del mod">
-          <ac:chgData name="Riccardo Berta" userId="c8694f89-bba4-4576-b0a8-456619ca5a8c" providerId="ADAL" clId="{FDDBFC5A-5EA9-5330-BEB8-433D7E3B4C4E}" dt="2025-09-08T06:38:08.131" v="919" actId="478"/>
+        <pc:picChg chg="add mod">
+          <ac:chgData name="Riccardo Berta" userId="c8694f89-bba4-4576-b0a8-456619ca5a8c" providerId="ADAL" clId="{FDDBFC5A-5EA9-5330-BEB8-433D7E3B4C4E}" dt="2025-09-24T11:16:50.033" v="3567" actId="1076"/>
           <ac:picMkLst>
             <pc:docMk/>
             <pc:sldMk cId="757365480" sldId="268"/>
-            <ac:picMk id="3" creationId="{BDE96ADA-B55D-D50E-4220-473AED379921}"/>
+            <ac:picMk id="2" creationId="{3AF52F89-834A-B567-C041-4AFBFAE91D9C}"/>
           </ac:picMkLst>
         </pc:picChg>
+        <pc:picChg chg="add del mod">
+          <ac:chgData name="Riccardo Berta" userId="c8694f89-bba4-4576-b0a8-456619ca5a8c" providerId="ADAL" clId="{FDDBFC5A-5EA9-5330-BEB8-433D7E3B4C4E}" dt="2025-09-24T11:15:24.852" v="3532" actId="478"/>
+          <ac:picMkLst>
+            <pc:docMk/>
+            <pc:sldMk cId="757365480" sldId="268"/>
+            <ac:picMk id="3" creationId="{CF9345E0-50A7-6525-8269-2344093975A1}"/>
+          </ac:picMkLst>
+        </pc:picChg>
       </pc:sldChg>
       <pc:sldChg chg="del">
         <pc:chgData name="Riccardo Berta" userId="c8694f89-bba4-4576-b0a8-456619ca5a8c" providerId="ADAL" clId="{FDDBFC5A-5EA9-5330-BEB8-433D7E3B4C4E}" dt="2025-09-08T04:59:15.830" v="28" actId="2696"/>
@@ -551,22 +527,6 @@
           <pc:docMk/>
           <pc:sldMk cId="2234237106" sldId="269"/>
         </pc:sldMkLst>
-        <pc:spChg chg="mod">
-          <ac:chgData name="Riccardo Berta" userId="c8694f89-bba4-4576-b0a8-456619ca5a8c" providerId="ADAL" clId="{FDDBFC5A-5EA9-5330-BEB8-433D7E3B4C4E}" dt="2025-09-08T06:43:45.603" v="1073" actId="20577"/>
-          <ac:spMkLst>
-            <pc:docMk/>
-            <pc:sldMk cId="2234237106" sldId="269"/>
-            <ac:spMk id="83" creationId="{8481EA82-AF05-FBE2-4883-0143006EE9F6}"/>
-          </ac:spMkLst>
-        </pc:spChg>
-        <pc:spChg chg="mod">
-          <ac:chgData name="Riccardo Berta" userId="c8694f89-bba4-4576-b0a8-456619ca5a8c" providerId="ADAL" clId="{FDDBFC5A-5EA9-5330-BEB8-433D7E3B4C4E}" dt="2025-09-08T07:25:40.788" v="2050" actId="20577"/>
-          <ac:spMkLst>
-            <pc:docMk/>
-            <pc:sldMk cId="2234237106" sldId="269"/>
-            <ac:spMk id="84" creationId="{FB5DA2D7-6FCD-2EC1-786D-AF5A6EC066CD}"/>
-          </ac:spMkLst>
-        </pc:spChg>
       </pc:sldChg>
       <pc:sldChg chg="del">
         <pc:chgData name="Riccardo Berta" userId="c8694f89-bba4-4576-b0a8-456619ca5a8c" providerId="ADAL" clId="{FDDBFC5A-5EA9-5330-BEB8-433D7E3B4C4E}" dt="2025-09-08T04:59:16.409" v="29" actId="2696"/>
@@ -583,7 +543,7 @@
         </pc:sldMkLst>
       </pc:sldChg>
       <pc:sldChg chg="modSp add mod ord">
-        <pc:chgData name="Riccardo Berta" userId="c8694f89-bba4-4576-b0a8-456619ca5a8c" providerId="ADAL" clId="{FDDBFC5A-5EA9-5330-BEB8-433D7E3B4C4E}" dt="2025-09-08T07:02:45.377" v="1384" actId="20577"/>
+        <pc:chgData name="Riccardo Berta" userId="c8694f89-bba4-4576-b0a8-456619ca5a8c" providerId="ADAL" clId="{FDDBFC5A-5EA9-5330-BEB8-433D7E3B4C4E}" dt="2025-09-24T05:46:42.966" v="3455" actId="20577"/>
         <pc:sldMkLst>
           <pc:docMk/>
           <pc:sldMk cId="4199544858" sldId="270"/>
@@ -597,7 +557,7 @@
           </ac:spMkLst>
         </pc:spChg>
         <pc:spChg chg="mod">
-          <ac:chgData name="Riccardo Berta" userId="c8694f89-bba4-4576-b0a8-456619ca5a8c" providerId="ADAL" clId="{FDDBFC5A-5EA9-5330-BEB8-433D7E3B4C4E}" dt="2025-09-08T07:02:45.377" v="1384" actId="20577"/>
+          <ac:chgData name="Riccardo Berta" userId="c8694f89-bba4-4576-b0a8-456619ca5a8c" providerId="ADAL" clId="{FDDBFC5A-5EA9-5330-BEB8-433D7E3B4C4E}" dt="2025-09-24T05:46:42.966" v="3455" actId="20577"/>
           <ac:spMkLst>
             <pc:docMk/>
             <pc:sldMk cId="4199544858" sldId="270"/>
@@ -613,7 +573,7 @@
         </pc:sldMkLst>
       </pc:sldChg>
       <pc:sldChg chg="modSp add mod ord">
-        <pc:chgData name="Riccardo Berta" userId="c8694f89-bba4-4576-b0a8-456619ca5a8c" providerId="ADAL" clId="{FDDBFC5A-5EA9-5330-BEB8-433D7E3B4C4E}" dt="2025-09-08T07:04:24.215" v="1410" actId="948"/>
+        <pc:chgData name="Riccardo Berta" userId="c8694f89-bba4-4576-b0a8-456619ca5a8c" providerId="ADAL" clId="{FDDBFC5A-5EA9-5330-BEB8-433D7E3B4C4E}" dt="2025-09-24T05:47:25.578" v="3460" actId="1076"/>
         <pc:sldMkLst>
           <pc:docMk/>
           <pc:sldMk cId="2085155987" sldId="271"/>
@@ -627,7 +587,7 @@
           </ac:spMkLst>
         </pc:spChg>
         <pc:spChg chg="mod">
-          <ac:chgData name="Riccardo Berta" userId="c8694f89-bba4-4576-b0a8-456619ca5a8c" providerId="ADAL" clId="{FDDBFC5A-5EA9-5330-BEB8-433D7E3B4C4E}" dt="2025-09-08T07:04:24.215" v="1410" actId="948"/>
+          <ac:chgData name="Riccardo Berta" userId="c8694f89-bba4-4576-b0a8-456619ca5a8c" providerId="ADAL" clId="{FDDBFC5A-5EA9-5330-BEB8-433D7E3B4C4E}" dt="2025-09-24T05:47:25.578" v="3460" actId="1076"/>
           <ac:spMkLst>
             <pc:docMk/>
             <pc:sldMk cId="2085155987" sldId="271"/>
@@ -643,7 +603,7 @@
         </pc:sldMkLst>
       </pc:sldChg>
       <pc:sldChg chg="modSp add mod">
-        <pc:chgData name="Riccardo Berta" userId="c8694f89-bba4-4576-b0a8-456619ca5a8c" providerId="ADAL" clId="{FDDBFC5A-5EA9-5330-BEB8-433D7E3B4C4E}" dt="2025-09-08T07:18:26.131" v="1634" actId="1036"/>
+        <pc:chgData name="Riccardo Berta" userId="c8694f89-bba4-4576-b0a8-456619ca5a8c" providerId="ADAL" clId="{FDDBFC5A-5EA9-5330-BEB8-433D7E3B4C4E}" dt="2025-09-24T05:41:30.665" v="3424" actId="313"/>
         <pc:sldMkLst>
           <pc:docMk/>
           <pc:sldMk cId="2008252242" sldId="272"/>
@@ -657,7 +617,7 @@
           </ac:spMkLst>
         </pc:spChg>
         <pc:spChg chg="mod">
-          <ac:chgData name="Riccardo Berta" userId="c8694f89-bba4-4576-b0a8-456619ca5a8c" providerId="ADAL" clId="{FDDBFC5A-5EA9-5330-BEB8-433D7E3B4C4E}" dt="2025-09-08T07:18:26.131" v="1634" actId="1036"/>
+          <ac:chgData name="Riccardo Berta" userId="c8694f89-bba4-4576-b0a8-456619ca5a8c" providerId="ADAL" clId="{FDDBFC5A-5EA9-5330-BEB8-433D7E3B4C4E}" dt="2025-09-24T05:41:30.665" v="3424" actId="313"/>
           <ac:spMkLst>
             <pc:docMk/>
             <pc:sldMk cId="2008252242" sldId="272"/>
@@ -665,8 +625,8 @@
           </ac:spMkLst>
         </pc:spChg>
       </pc:sldChg>
-      <pc:sldChg chg="addSp modSp add mod">
-        <pc:chgData name="Riccardo Berta" userId="c8694f89-bba4-4576-b0a8-456619ca5a8c" providerId="ADAL" clId="{FDDBFC5A-5EA9-5330-BEB8-433D7E3B4C4E}" dt="2025-09-08T07:22:45.354" v="1776" actId="14100"/>
+      <pc:sldChg chg="addSp delSp modSp add mod">
+        <pc:chgData name="Riccardo Berta" userId="c8694f89-bba4-4576-b0a8-456619ca5a8c" providerId="ADAL" clId="{FDDBFC5A-5EA9-5330-BEB8-433D7E3B4C4E}" dt="2025-09-24T05:45:21.817" v="3447" actId="113"/>
         <pc:sldMkLst>
           <pc:docMk/>
           <pc:sldMk cId="901973074" sldId="273"/>
@@ -680,21 +640,29 @@
           </ac:spMkLst>
         </pc:spChg>
         <pc:spChg chg="mod">
-          <ac:chgData name="Riccardo Berta" userId="c8694f89-bba4-4576-b0a8-456619ca5a8c" providerId="ADAL" clId="{FDDBFC5A-5EA9-5330-BEB8-433D7E3B4C4E}" dt="2025-09-08T07:22:45.354" v="1776" actId="14100"/>
+          <ac:chgData name="Riccardo Berta" userId="c8694f89-bba4-4576-b0a8-456619ca5a8c" providerId="ADAL" clId="{FDDBFC5A-5EA9-5330-BEB8-433D7E3B4C4E}" dt="2025-09-24T05:45:21.817" v="3447" actId="113"/>
           <ac:spMkLst>
             <pc:docMk/>
             <pc:sldMk cId="901973074" sldId="273"/>
             <ac:spMk id="84" creationId="{EACF2A4F-7485-3605-8D5E-FE7B06798AD3}"/>
           </ac:spMkLst>
         </pc:spChg>
-        <pc:picChg chg="add mod">
-          <ac:chgData name="Riccardo Berta" userId="c8694f89-bba4-4576-b0a8-456619ca5a8c" providerId="ADAL" clId="{FDDBFC5A-5EA9-5330-BEB8-433D7E3B4C4E}" dt="2025-09-08T07:22:41.425" v="1774" actId="1076"/>
+        <pc:picChg chg="add del mod">
+          <ac:chgData name="Riccardo Berta" userId="c8694f89-bba4-4576-b0a8-456619ca5a8c" providerId="ADAL" clId="{FDDBFC5A-5EA9-5330-BEB8-433D7E3B4C4E}" dt="2025-09-24T05:44:31.908" v="3427" actId="478"/>
           <ac:picMkLst>
             <pc:docMk/>
             <pc:sldMk cId="901973074" sldId="273"/>
             <ac:picMk id="3" creationId="{8F0AF2D0-271D-36E7-5CED-1D8E4D374648}"/>
           </ac:picMkLst>
         </pc:picChg>
+        <pc:picChg chg="add mod">
+          <ac:chgData name="Riccardo Berta" userId="c8694f89-bba4-4576-b0a8-456619ca5a8c" providerId="ADAL" clId="{FDDBFC5A-5EA9-5330-BEB8-433D7E3B4C4E}" dt="2025-09-24T05:44:43.891" v="3432" actId="1076"/>
+          <ac:picMkLst>
+            <pc:docMk/>
+            <pc:sldMk cId="901973074" sldId="273"/>
+            <ac:picMk id="4" creationId="{88DD99C6-6611-FF59-5777-CE5097021290}"/>
+          </ac:picMkLst>
+        </pc:picChg>
       </pc:sldChg>
       <pc:sldChg chg="del">
         <pc:chgData name="Riccardo Berta" userId="c8694f89-bba4-4576-b0a8-456619ca5a8c" providerId="ADAL" clId="{FDDBFC5A-5EA9-5330-BEB8-433D7E3B4C4E}" dt="2025-09-08T04:59:20.005" v="35" actId="2696"/>
@@ -704,7 +672,7 @@
         </pc:sldMkLst>
       </pc:sldChg>
       <pc:sldChg chg="modSp add mod">
-        <pc:chgData name="Riccardo Berta" userId="c8694f89-bba4-4576-b0a8-456619ca5a8c" providerId="ADAL" clId="{FDDBFC5A-5EA9-5330-BEB8-433D7E3B4C4E}" dt="2025-09-08T07:33:35.823" v="2240" actId="14100"/>
+        <pc:chgData name="Riccardo Berta" userId="c8694f89-bba4-4576-b0a8-456619ca5a8c" providerId="ADAL" clId="{FDDBFC5A-5EA9-5330-BEB8-433D7E3B4C4E}" dt="2025-09-25T14:24:28.086" v="3569" actId="113"/>
         <pc:sldMkLst>
           <pc:docMk/>
           <pc:sldMk cId="779221979" sldId="274"/>
@@ -718,7 +686,7 @@
           </ac:spMkLst>
         </pc:spChg>
         <pc:spChg chg="mod">
-          <ac:chgData name="Riccardo Berta" userId="c8694f89-bba4-4576-b0a8-456619ca5a8c" providerId="ADAL" clId="{FDDBFC5A-5EA9-5330-BEB8-433D7E3B4C4E}" dt="2025-09-08T07:33:35.823" v="2240" actId="14100"/>
+          <ac:chgData name="Riccardo Berta" userId="c8694f89-bba4-4576-b0a8-456619ca5a8c" providerId="ADAL" clId="{FDDBFC5A-5EA9-5330-BEB8-433D7E3B4C4E}" dt="2025-09-25T14:24:28.086" v="3569" actId="113"/>
           <ac:spMkLst>
             <pc:docMk/>
             <pc:sldMk cId="779221979" sldId="274"/>
@@ -780,7 +748,7 @@
         </pc:picChg>
       </pc:sldChg>
       <pc:sldChg chg="addSp modSp add mod">
-        <pc:chgData name="Riccardo Berta" userId="c8694f89-bba4-4576-b0a8-456619ca5a8c" providerId="ADAL" clId="{FDDBFC5A-5EA9-5330-BEB8-433D7E3B4C4E}" dt="2025-09-08T07:50:11.115" v="2657" actId="20577"/>
+        <pc:chgData name="Riccardo Berta" userId="c8694f89-bba4-4576-b0a8-456619ca5a8c" providerId="ADAL" clId="{FDDBFC5A-5EA9-5330-BEB8-433D7E3B4C4E}" dt="2025-09-24T05:54:09.565" v="3466" actId="113"/>
         <pc:sldMkLst>
           <pc:docMk/>
           <pc:sldMk cId="1462028873" sldId="276"/>
@@ -794,7 +762,7 @@
           </ac:spMkLst>
         </pc:spChg>
         <pc:spChg chg="mod">
-          <ac:chgData name="Riccardo Berta" userId="c8694f89-bba4-4576-b0a8-456619ca5a8c" providerId="ADAL" clId="{FDDBFC5A-5EA9-5330-BEB8-433D7E3B4C4E}" dt="2025-09-08T07:50:11.115" v="2657" actId="20577"/>
+          <ac:chgData name="Riccardo Berta" userId="c8694f89-bba4-4576-b0a8-456619ca5a8c" providerId="ADAL" clId="{FDDBFC5A-5EA9-5330-BEB8-433D7E3B4C4E}" dt="2025-09-24T05:54:09.565" v="3466" actId="113"/>
           <ac:spMkLst>
             <pc:docMk/>
             <pc:sldMk cId="1462028873" sldId="276"/>
@@ -818,7 +786,7 @@
         </pc:sldMkLst>
       </pc:sldChg>
       <pc:sldChg chg="addSp modSp add mod">
-        <pc:chgData name="Riccardo Berta" userId="c8694f89-bba4-4576-b0a8-456619ca5a8c" providerId="ADAL" clId="{FDDBFC5A-5EA9-5330-BEB8-433D7E3B4C4E}" dt="2025-09-08T07:55:19.981" v="2750" actId="20577"/>
+        <pc:chgData name="Riccardo Berta" userId="c8694f89-bba4-4576-b0a8-456619ca5a8c" providerId="ADAL" clId="{FDDBFC5A-5EA9-5330-BEB8-433D7E3B4C4E}" dt="2025-09-24T05:58:23.130" v="3469" actId="113"/>
         <pc:sldMkLst>
           <pc:docMk/>
           <pc:sldMk cId="3105780525" sldId="277"/>
@@ -832,7 +800,7 @@
           </ac:spMkLst>
         </pc:spChg>
         <pc:spChg chg="mod">
-          <ac:chgData name="Riccardo Berta" userId="c8694f89-bba4-4576-b0a8-456619ca5a8c" providerId="ADAL" clId="{FDDBFC5A-5EA9-5330-BEB8-433D7E3B4C4E}" dt="2025-09-08T07:55:14.297" v="2745" actId="21"/>
+          <ac:chgData name="Riccardo Berta" userId="c8694f89-bba4-4576-b0a8-456619ca5a8c" providerId="ADAL" clId="{FDDBFC5A-5EA9-5330-BEB8-433D7E3B4C4E}" dt="2025-09-24T05:58:23.130" v="3469" actId="113"/>
           <ac:spMkLst>
             <pc:docMk/>
             <pc:sldMk cId="3105780525" sldId="277"/>
@@ -856,7 +824,7 @@
         </pc:sldMkLst>
       </pc:sldChg>
       <pc:sldChg chg="addSp modSp add mod">
-        <pc:chgData name="Riccardo Berta" userId="c8694f89-bba4-4576-b0a8-456619ca5a8c" providerId="ADAL" clId="{FDDBFC5A-5EA9-5330-BEB8-433D7E3B4C4E}" dt="2025-09-08T07:57:47.432" v="2835" actId="1035"/>
+        <pc:chgData name="Riccardo Berta" userId="c8694f89-bba4-4576-b0a8-456619ca5a8c" providerId="ADAL" clId="{FDDBFC5A-5EA9-5330-BEB8-433D7E3B4C4E}" dt="2025-09-24T06:00:33.289" v="3476" actId="113"/>
         <pc:sldMkLst>
           <pc:docMk/>
           <pc:sldMk cId="1282956213" sldId="278"/>
@@ -870,7 +838,7 @@
           </ac:spMkLst>
         </pc:spChg>
         <pc:spChg chg="mod">
-          <ac:chgData name="Riccardo Berta" userId="c8694f89-bba4-4576-b0a8-456619ca5a8c" providerId="ADAL" clId="{FDDBFC5A-5EA9-5330-BEB8-433D7E3B4C4E}" dt="2025-09-08T07:57:44.061" v="2823" actId="1035"/>
+          <ac:chgData name="Riccardo Berta" userId="c8694f89-bba4-4576-b0a8-456619ca5a8c" providerId="ADAL" clId="{FDDBFC5A-5EA9-5330-BEB8-433D7E3B4C4E}" dt="2025-09-24T06:00:33.289" v="3476" actId="113"/>
           <ac:spMkLst>
             <pc:docMk/>
             <pc:sldMk cId="1282956213" sldId="278"/>
@@ -901,7 +869,7 @@
         </pc:sldMkLst>
       </pc:sldChg>
       <pc:sldChg chg="addSp modSp add mod">
-        <pc:chgData name="Riccardo Berta" userId="c8694f89-bba4-4576-b0a8-456619ca5a8c" providerId="ADAL" clId="{FDDBFC5A-5EA9-5330-BEB8-433D7E3B4C4E}" dt="2025-09-08T08:03:56.431" v="2940" actId="1076"/>
+        <pc:chgData name="Riccardo Berta" userId="c8694f89-bba4-4576-b0a8-456619ca5a8c" providerId="ADAL" clId="{FDDBFC5A-5EA9-5330-BEB8-433D7E3B4C4E}" dt="2025-09-24T06:01:02.239" v="3482" actId="20577"/>
         <pc:sldMkLst>
           <pc:docMk/>
           <pc:sldMk cId="3608922323" sldId="279"/>
@@ -915,7 +883,7 @@
           </ac:spMkLst>
         </pc:spChg>
         <pc:spChg chg="mod">
-          <ac:chgData name="Riccardo Berta" userId="c8694f89-bba4-4576-b0a8-456619ca5a8c" providerId="ADAL" clId="{FDDBFC5A-5EA9-5330-BEB8-433D7E3B4C4E}" dt="2025-09-08T08:03:01.546" v="2937" actId="20577"/>
+          <ac:chgData name="Riccardo Berta" userId="c8694f89-bba4-4576-b0a8-456619ca5a8c" providerId="ADAL" clId="{FDDBFC5A-5EA9-5330-BEB8-433D7E3B4C4E}" dt="2025-09-24T06:01:02.239" v="3482" actId="20577"/>
           <ac:spMkLst>
             <pc:docMk/>
             <pc:sldMk cId="3608922323" sldId="279"/>
@@ -974,14 +942,6 @@
             <ac:spMk id="84" creationId="{94A16BAA-5FAD-0995-FDC7-8DF739D85ACC}"/>
           </ac:spMkLst>
         </pc:spChg>
-        <pc:picChg chg="del">
-          <ac:chgData name="Riccardo Berta" userId="c8694f89-bba4-4576-b0a8-456619ca5a8c" providerId="ADAL" clId="{FDDBFC5A-5EA9-5330-BEB8-433D7E3B4C4E}" dt="2025-09-08T07:47:33.512" v="2556" actId="478"/>
-          <ac:picMkLst>
-            <pc:docMk/>
-            <pc:sldMk cId="3493374860" sldId="281"/>
-            <ac:picMk id="2" creationId="{2757405D-F79F-AFFC-1BF7-6B60951D210A}"/>
-          </ac:picMkLst>
-        </pc:picChg>
         <pc:picChg chg="add mod">
           <ac:chgData name="Riccardo Berta" userId="c8694f89-bba4-4576-b0a8-456619ca5a8c" providerId="ADAL" clId="{FDDBFC5A-5EA9-5330-BEB8-433D7E3B4C4E}" dt="2025-09-08T08:10:18.048" v="3139" actId="1035"/>
           <ac:picMkLst>
@@ -999,7 +959,7 @@
         </pc:sldMkLst>
       </pc:sldChg>
       <pc:sldChg chg="addSp modSp add mod">
-        <pc:chgData name="Riccardo Berta" userId="c8694f89-bba4-4576-b0a8-456619ca5a8c" providerId="ADAL" clId="{FDDBFC5A-5EA9-5330-BEB8-433D7E3B4C4E}" dt="2025-09-08T08:09:59.535" v="3126" actId="20577"/>
+        <pc:chgData name="Riccardo Berta" userId="c8694f89-bba4-4576-b0a8-456619ca5a8c" providerId="ADAL" clId="{FDDBFC5A-5EA9-5330-BEB8-433D7E3B4C4E}" dt="2025-09-24T06:01:36.214" v="3483" actId="113"/>
         <pc:sldMkLst>
           <pc:docMk/>
           <pc:sldMk cId="3245779911" sldId="282"/>
@@ -1013,7 +973,7 @@
           </ac:spMkLst>
         </pc:spChg>
         <pc:spChg chg="mod">
-          <ac:chgData name="Riccardo Berta" userId="c8694f89-bba4-4576-b0a8-456619ca5a8c" providerId="ADAL" clId="{FDDBFC5A-5EA9-5330-BEB8-433D7E3B4C4E}" dt="2025-09-08T08:09:59.535" v="3126" actId="20577"/>
+          <ac:chgData name="Riccardo Berta" userId="c8694f89-bba4-4576-b0a8-456619ca5a8c" providerId="ADAL" clId="{FDDBFC5A-5EA9-5330-BEB8-433D7E3B4C4E}" dt="2025-09-24T06:01:36.214" v="3483" actId="113"/>
           <ac:spMkLst>
             <pc:docMk/>
             <pc:sldMk cId="3245779911" sldId="282"/>
@@ -1030,7 +990,7 @@
         </pc:picChg>
       </pc:sldChg>
       <pc:sldChg chg="addSp delSp modSp add mod">
-        <pc:chgData name="Riccardo Berta" userId="c8694f89-bba4-4576-b0a8-456619ca5a8c" providerId="ADAL" clId="{FDDBFC5A-5EA9-5330-BEB8-433D7E3B4C4E}" dt="2025-09-08T11:08:39.905" v="3296" actId="1076"/>
+        <pc:chgData name="Riccardo Berta" userId="c8694f89-bba4-4576-b0a8-456619ca5a8c" providerId="ADAL" clId="{FDDBFC5A-5EA9-5330-BEB8-433D7E3B4C4E}" dt="2025-09-24T06:05:46.183" v="3493" actId="313"/>
         <pc:sldMkLst>
           <pc:docMk/>
           <pc:sldMk cId="142251770" sldId="283"/>
@@ -1044,21 +1004,13 @@
           </ac:spMkLst>
         </pc:spChg>
         <pc:spChg chg="mod">
-          <ac:chgData name="Riccardo Berta" userId="c8694f89-bba4-4576-b0a8-456619ca5a8c" providerId="ADAL" clId="{FDDBFC5A-5EA9-5330-BEB8-433D7E3B4C4E}" dt="2025-09-08T11:08:34.031" v="3295" actId="20577"/>
+          <ac:chgData name="Riccardo Berta" userId="c8694f89-bba4-4576-b0a8-456619ca5a8c" providerId="ADAL" clId="{FDDBFC5A-5EA9-5330-BEB8-433D7E3B4C4E}" dt="2025-09-24T06:05:46.183" v="3493" actId="313"/>
           <ac:spMkLst>
             <pc:docMk/>
             <pc:sldMk cId="142251770" sldId="283"/>
             <ac:spMk id="84" creationId="{A63B52D3-7BDF-3BF3-885C-37D6E7DB09FB}"/>
           </ac:spMkLst>
         </pc:spChg>
-        <pc:picChg chg="add del mod">
-          <ac:chgData name="Riccardo Berta" userId="c8694f89-bba4-4576-b0a8-456619ca5a8c" providerId="ADAL" clId="{FDDBFC5A-5EA9-5330-BEB8-433D7E3B4C4E}" dt="2025-09-08T08:17:17.070" v="3245" actId="478"/>
-          <ac:picMkLst>
-            <pc:docMk/>
-            <pc:sldMk cId="142251770" sldId="283"/>
-            <ac:picMk id="2" creationId="{42F92F1F-4042-45FB-40D8-1215BC6FFB74}"/>
-          </ac:picMkLst>
-        </pc:picChg>
         <pc:picChg chg="add mod">
           <ac:chgData name="Riccardo Berta" userId="c8694f89-bba4-4576-b0a8-456619ca5a8c" providerId="ADAL" clId="{FDDBFC5A-5EA9-5330-BEB8-433D7E3B4C4E}" dt="2025-09-08T11:08:39.905" v="3296" actId="1076"/>
           <ac:picMkLst>
@@ -1069,7 +1021,7 @@
         </pc:picChg>
       </pc:sldChg>
       <pc:sldChg chg="addSp delSp modSp add mod">
-        <pc:chgData name="Riccardo Berta" userId="c8694f89-bba4-4576-b0a8-456619ca5a8c" providerId="ADAL" clId="{FDDBFC5A-5EA9-5330-BEB8-433D7E3B4C4E}" dt="2025-09-08T11:12:29.583" v="3353" actId="20577"/>
+        <pc:chgData name="Riccardo Berta" userId="c8694f89-bba4-4576-b0a8-456619ca5a8c" providerId="ADAL" clId="{FDDBFC5A-5EA9-5330-BEB8-433D7E3B4C4E}" dt="2025-09-24T06:06:31.331" v="3523" actId="20577"/>
         <pc:sldMkLst>
           <pc:docMk/>
           <pc:sldMk cId="1934613724" sldId="284"/>
@@ -1083,7 +1035,7 @@
           </ac:spMkLst>
         </pc:spChg>
         <pc:spChg chg="mod">
-          <ac:chgData name="Riccardo Berta" userId="c8694f89-bba4-4576-b0a8-456619ca5a8c" providerId="ADAL" clId="{FDDBFC5A-5EA9-5330-BEB8-433D7E3B4C4E}" dt="2025-09-08T11:11:01.401" v="3351" actId="6549"/>
+          <ac:chgData name="Riccardo Berta" userId="c8694f89-bba4-4576-b0a8-456619ca5a8c" providerId="ADAL" clId="{FDDBFC5A-5EA9-5330-BEB8-433D7E3B4C4E}" dt="2025-09-24T06:06:31.331" v="3523" actId="20577"/>
           <ac:spMkLst>
             <pc:docMk/>
             <pc:sldMk cId="1934613724" sldId="284"/>
@@ -1098,16 +1050,8 @@
             <ac:picMk id="2" creationId="{FDD2A0D9-5995-DCDA-00ED-0B430487FA8C}"/>
           </ac:picMkLst>
         </pc:picChg>
-        <pc:picChg chg="add del mod">
-          <ac:chgData name="Riccardo Berta" userId="c8694f89-bba4-4576-b0a8-456619ca5a8c" providerId="ADAL" clId="{FDDBFC5A-5EA9-5330-BEB8-433D7E3B4C4E}" dt="2025-09-08T11:09:39.641" v="3301" actId="478"/>
-          <ac:picMkLst>
-            <pc:docMk/>
-            <pc:sldMk cId="1934613724" sldId="284"/>
-            <ac:picMk id="4" creationId="{358EA2C8-4069-0C1D-F4C6-B459075BF92E}"/>
-          </ac:picMkLst>
-        </pc:picChg>
         <pc:picChg chg="add mod">
-          <ac:chgData name="Riccardo Berta" userId="c8694f89-bba4-4576-b0a8-456619ca5a8c" providerId="ADAL" clId="{FDDBFC5A-5EA9-5330-BEB8-433D7E3B4C4E}" dt="2025-09-08T11:10:02.019" v="3306" actId="1076"/>
+          <ac:chgData name="Riccardo Berta" userId="c8694f89-bba4-4576-b0a8-456619ca5a8c" providerId="ADAL" clId="{FDDBFC5A-5EA9-5330-BEB8-433D7E3B4C4E}" dt="2025-09-24T06:06:20.466" v="3513" actId="1036"/>
           <ac:picMkLst>
             <pc:docMk/>
             <pc:sldMk cId="1934613724" sldId="284"/>
@@ -1115,7 +1059,7 @@
           </ac:picMkLst>
         </pc:picChg>
         <pc:picChg chg="add mod">
-          <ac:chgData name="Riccardo Berta" userId="c8694f89-bba4-4576-b0a8-456619ca5a8c" providerId="ADAL" clId="{FDDBFC5A-5EA9-5330-BEB8-433D7E3B4C4E}" dt="2025-09-08T11:10:28.045" v="3313" actId="14100"/>
+          <ac:chgData name="Riccardo Berta" userId="c8694f89-bba4-4576-b0a8-456619ca5a8c" providerId="ADAL" clId="{FDDBFC5A-5EA9-5330-BEB8-433D7E3B4C4E}" dt="2025-09-24T06:06:20.466" v="3513" actId="1036"/>
           <ac:picMkLst>
             <pc:docMk/>
             <pc:sldMk cId="1934613724" sldId="284"/>
@@ -1123,7 +1067,7 @@
           </ac:picMkLst>
         </pc:picChg>
         <pc:picChg chg="add mod">
-          <ac:chgData name="Riccardo Berta" userId="c8694f89-bba4-4576-b0a8-456619ca5a8c" providerId="ADAL" clId="{FDDBFC5A-5EA9-5330-BEB8-433D7E3B4C4E}" dt="2025-09-08T11:10:55.661" v="3349" actId="1076"/>
+          <ac:chgData name="Riccardo Berta" userId="c8694f89-bba4-4576-b0a8-456619ca5a8c" providerId="ADAL" clId="{FDDBFC5A-5EA9-5330-BEB8-433D7E3B4C4E}" dt="2025-09-24T06:06:23.188" v="3518" actId="1035"/>
           <ac:picMkLst>
             <pc:docMk/>
             <pc:sldMk cId="1934613724" sldId="284"/>
@@ -2842,6 +2786,13 @@
             </a:pathLst>
           </a:custGeom>
         </p:spPr>
+        <p:txBody>
+          <a:bodyPr/>
+          <a:lstStyle/>
+          <a:p>
+            <a:endParaRPr lang="it-IT"/>
+          </a:p>
+        </p:txBody>
       </p:sp>
       <p:sp>
         <p:nvSpPr>
@@ -2958,6 +2909,13 @@
             </a:pathLst>
           </a:custGeom>
         </p:spPr>
+        <p:txBody>
+          <a:bodyPr/>
+          <a:lstStyle/>
+          <a:p>
+            <a:endParaRPr lang="it-IT"/>
+          </a:p>
+        </p:txBody>
       </p:sp>
       <p:sp>
         <p:nvSpPr>
@@ -3085,6 +3043,13 @@
             </a:pathLst>
           </a:custGeom>
         </p:spPr>
+        <p:txBody>
+          <a:bodyPr/>
+          <a:lstStyle/>
+          <a:p>
+            <a:endParaRPr lang="it-IT"/>
+          </a:p>
+        </p:txBody>
       </p:sp>
       <p:sp>
         <p:nvSpPr>
@@ -3212,6 +3177,13 @@
             </a:pathLst>
           </a:custGeom>
         </p:spPr>
+        <p:txBody>
+          <a:bodyPr/>
+          <a:lstStyle/>
+          <a:p>
+            <a:endParaRPr lang="it-IT"/>
+          </a:p>
+        </p:txBody>
       </p:sp>
       <p:sp>
         <p:nvSpPr>
@@ -3339,6 +3311,13 @@
             </a:pathLst>
           </a:custGeom>
         </p:spPr>
+        <p:txBody>
+          <a:bodyPr/>
+          <a:lstStyle/>
+          <a:p>
+            <a:endParaRPr lang="it-IT"/>
+          </a:p>
+        </p:txBody>
       </p:sp>
       <p:sp>
         <p:nvSpPr>
@@ -3466,6 +3445,13 @@
             </a:pathLst>
           </a:custGeom>
         </p:spPr>
+        <p:txBody>
+          <a:bodyPr/>
+          <a:lstStyle/>
+          <a:p>
+            <a:endParaRPr lang="it-IT"/>
+          </a:p>
+        </p:txBody>
       </p:sp>
       <p:sp>
         <p:nvSpPr>
@@ -3593,6 +3579,13 @@
             </a:pathLst>
           </a:custGeom>
         </p:spPr>
+        <p:txBody>
+          <a:bodyPr/>
+          <a:lstStyle/>
+          <a:p>
+            <a:endParaRPr lang="it-IT"/>
+          </a:p>
+        </p:txBody>
       </p:sp>
       <p:sp>
         <p:nvSpPr>
@@ -3720,6 +3713,13 @@
             </a:pathLst>
           </a:custGeom>
         </p:spPr>
+        <p:txBody>
+          <a:bodyPr/>
+          <a:lstStyle/>
+          <a:p>
+            <a:endParaRPr lang="it-IT"/>
+          </a:p>
+        </p:txBody>
       </p:sp>
       <p:sp>
         <p:nvSpPr>
@@ -3847,6 +3847,13 @@
             </a:pathLst>
           </a:custGeom>
         </p:spPr>
+        <p:txBody>
+          <a:bodyPr/>
+          <a:lstStyle/>
+          <a:p>
+            <a:endParaRPr lang="it-IT"/>
+          </a:p>
+        </p:txBody>
       </p:sp>
       <p:sp>
         <p:nvSpPr>
@@ -3974,6 +3981,13 @@
             </a:pathLst>
           </a:custGeom>
         </p:spPr>
+        <p:txBody>
+          <a:bodyPr/>
+          <a:lstStyle/>
+          <a:p>
+            <a:endParaRPr lang="it-IT"/>
+          </a:p>
+        </p:txBody>
       </p:sp>
       <p:sp>
         <p:nvSpPr>
@@ -4101,6 +4115,13 @@
             </a:pathLst>
           </a:custGeom>
         </p:spPr>
+        <p:txBody>
+          <a:bodyPr/>
+          <a:lstStyle/>
+          <a:p>
+            <a:endParaRPr lang="it-IT"/>
+          </a:p>
+        </p:txBody>
       </p:sp>
       <p:sp>
         <p:nvSpPr>
@@ -4216,6 +4237,13 @@
             </a:pathLst>
           </a:custGeom>
         </p:spPr>
+        <p:txBody>
+          <a:bodyPr/>
+          <a:lstStyle/>
+          <a:p>
+            <a:endParaRPr lang="it-IT"/>
+          </a:p>
+        </p:txBody>
       </p:sp>
       <p:sp>
         <p:nvSpPr>
@@ -4332,6 +4360,13 @@
             </a:pathLst>
           </a:custGeom>
         </p:spPr>
+        <p:txBody>
+          <a:bodyPr/>
+          <a:lstStyle/>
+          <a:p>
+            <a:endParaRPr lang="it-IT"/>
+          </a:p>
+        </p:txBody>
       </p:sp>
       <p:sp>
         <p:nvSpPr>
@@ -4447,6 +4482,13 @@
             </a:pathLst>
           </a:custGeom>
         </p:spPr>
+        <p:txBody>
+          <a:bodyPr/>
+          <a:lstStyle/>
+          <a:p>
+            <a:endParaRPr lang="it-IT"/>
+          </a:p>
+        </p:txBody>
       </p:sp>
       <p:sp>
         <p:nvSpPr>
@@ -4563,6 +4605,13 @@
             </a:pathLst>
           </a:custGeom>
         </p:spPr>
+        <p:txBody>
+          <a:bodyPr/>
+          <a:lstStyle/>
+          <a:p>
+            <a:endParaRPr lang="it-IT"/>
+          </a:p>
+        </p:txBody>
       </p:sp>
       <p:sp>
         <p:nvSpPr>
@@ -4690,6 +4739,13 @@
             </a:pathLst>
           </a:custGeom>
         </p:spPr>
+        <p:txBody>
+          <a:bodyPr/>
+          <a:lstStyle/>
+          <a:p>
+            <a:endParaRPr lang="it-IT"/>
+          </a:p>
+        </p:txBody>
       </p:sp>
       <p:sp>
         <p:nvSpPr>
@@ -4817,6 +4873,13 @@
             </a:pathLst>
           </a:custGeom>
         </p:spPr>
+        <p:txBody>
+          <a:bodyPr/>
+          <a:lstStyle/>
+          <a:p>
+            <a:endParaRPr lang="it-IT"/>
+          </a:p>
+        </p:txBody>
       </p:sp>
       <p:sp>
         <p:nvSpPr>
@@ -4944,6 +5007,13 @@
             </a:pathLst>
           </a:custGeom>
         </p:spPr>
+        <p:txBody>
+          <a:bodyPr/>
+          <a:lstStyle/>
+          <a:p>
+            <a:endParaRPr lang="it-IT"/>
+          </a:p>
+        </p:txBody>
       </p:sp>
       <p:sp>
         <p:nvSpPr>
@@ -5071,6 +5141,13 @@
             </a:pathLst>
           </a:custGeom>
         </p:spPr>
+        <p:txBody>
+          <a:bodyPr/>
+          <a:lstStyle/>
+          <a:p>
+            <a:endParaRPr lang="it-IT"/>
+          </a:p>
+        </p:txBody>
       </p:sp>
       <p:sp>
         <p:nvSpPr>
@@ -5198,6 +5275,13 @@
             </a:pathLst>
           </a:custGeom>
         </p:spPr>
+        <p:txBody>
+          <a:bodyPr/>
+          <a:lstStyle/>
+          <a:p>
+            <a:endParaRPr lang="it-IT"/>
+          </a:p>
+        </p:txBody>
       </p:sp>
       <p:sp>
         <p:nvSpPr>
@@ -5315,6 +5399,13 @@
             <a:tailEnd type="none" w="sm" len="sm"/>
           </a:ln>
         </p:spPr>
+        <p:txBody>
+          <a:bodyPr/>
+          <a:lstStyle/>
+          <a:p>
+            <a:endParaRPr lang="it-IT"/>
+          </a:p>
+        </p:txBody>
       </p:sp>
       <p:sp>
         <p:nvSpPr>
@@ -5358,6 +5449,13 @@
             <a:tailEnd type="none" w="sm" len="sm"/>
           </a:ln>
         </p:spPr>
+        <p:txBody>
+          <a:bodyPr/>
+          <a:lstStyle/>
+          <a:p>
+            <a:endParaRPr lang="it-IT"/>
+          </a:p>
+        </p:txBody>
       </p:sp>
       <p:sp>
         <p:nvSpPr>
@@ -10488,7 +10586,7 @@
         </p:nvSpPr>
         <p:spPr>
           <a:xfrm>
-            <a:off x="162750" y="1043733"/>
+            <a:off x="162750" y="1241286"/>
             <a:ext cx="8818500" cy="5224230"/>
           </a:xfrm>
           <a:prstGeom prst="rect">
@@ -10639,7 +10737,7 @@
             </a:r>
             <a:r>
               <a:rPr lang="en-GB" dirty="0"/>
-              <a:t>: knows the actual outcome of every action (impossible).</a:t>
+              <a:t>: knows the actual outcome of every action (impossible)</a:t>
             </a:r>
           </a:p>
           <a:p>
@@ -10657,7 +10755,15 @@
             </a:r>
             <a:r>
               <a:rPr lang="en-GB" dirty="0"/>
-              <a:t>: chooses the best expected action with available information.</a:t>
+              <a:t>: chooses the best expected action with </a:t>
+            </a:r>
+            <a:r>
+              <a:rPr lang="en-GB" b="1" dirty="0"/>
+              <a:t>available</a:t>
+            </a:r>
+            <a:r>
+              <a:rPr lang="en-GB" dirty="0"/>
+              <a:t> information</a:t>
             </a:r>
           </a:p>
           <a:p>
@@ -10685,7 +10791,7 @@
             </a:pPr>
             <a:r>
               <a:rPr lang="en-GB" dirty="0"/>
-              <a:t>crossing an empty street is rational, even if a rare accident occurs.</a:t>
+              <a:t>crossing an empty street is rational, even if a rare accident occurs</a:t>
             </a:r>
           </a:p>
           <a:p>
@@ -10824,15 +10930,15 @@
           <a:p>
             <a:r>
               <a:rPr lang="en-GB" dirty="0"/>
-              <a:t>The architecture: processes </a:t>
-            </a:r>
-            <a:r>
-              <a:rPr lang="en-GB" dirty="0" err="1"/>
-              <a:t>percepts</a:t>
-            </a:r>
-            <a:r>
-              <a:rPr lang="en-GB" dirty="0"/>
-              <a:t>, runs the program, and issues actions</a:t>
+              <a:t>The </a:t>
+            </a:r>
+            <a:r>
+              <a:rPr lang="en-GB" b="1" dirty="0"/>
+              <a:t>architecture</a:t>
+            </a:r>
+            <a:r>
+              <a:rPr lang="en-GB" dirty="0"/>
+              <a:t>: processes percepts, runs the program, and issues actions</a:t>
             </a:r>
           </a:p>
           <a:p>
@@ -10860,7 +10966,7 @@
             </a:pPr>
             <a:r>
               <a:rPr lang="en-GB" dirty="0"/>
-              <a:t>if program says “walk” → architecture must have legs.</a:t>
+              <a:t>if program says “walk” → architecture must have legs</a:t>
             </a:r>
           </a:p>
           <a:p>
@@ -10913,20 +11019,8 @@
               </a:spcAft>
             </a:pPr>
             <a:r>
-              <a:rPr lang="en-GB" dirty="0" err="1"/>
-              <a:t>eeach</a:t>
-            </a:r>
-            <a:r>
-              <a:rPr lang="en-GB" dirty="0"/>
-              <a:t> type combines components in different ways to map </a:t>
-            </a:r>
-            <a:r>
-              <a:rPr lang="en-GB" dirty="0" err="1"/>
-              <a:t>percepts</a:t>
-            </a:r>
-            <a:r>
-              <a:rPr lang="en-GB" dirty="0"/>
-              <a:t> → actions.</a:t>
+              <a:rPr lang="en-GB" dirty="0"/>
+              <a:t>each type combines components in different ways to map percepts → actions</a:t>
             </a:r>
           </a:p>
           <a:p>
@@ -11602,8 +11696,12 @@
           <a:p>
             <a:pPr lvl="0"/>
             <a:r>
-              <a:rPr lang="en-GB" dirty="0"/>
-              <a:t>Handle partial observability by maintaining an </a:t>
+              <a:rPr lang="en-GB" b="1" dirty="0"/>
+              <a:t>Handle partial observability </a:t>
+            </a:r>
+            <a:r>
+              <a:rPr lang="en-GB" dirty="0"/>
+              <a:t>by maintaining an </a:t>
             </a:r>
             <a:r>
               <a:rPr lang="en-GB" b="1" dirty="0"/>
@@ -11617,8 +11715,12 @@
           <a:p>
             <a:pPr lvl="0"/>
             <a:r>
-              <a:rPr lang="en-GB" dirty="0"/>
-              <a:t>Transition model → how the world changes</a:t>
+              <a:rPr lang="en-GB" b="1" dirty="0"/>
+              <a:t>Transition model </a:t>
+            </a:r>
+            <a:r>
+              <a:rPr lang="en-GB" dirty="0"/>
+              <a:t>→ how the world changes</a:t>
             </a:r>
           </a:p>
           <a:p>
@@ -11652,8 +11754,12 @@
           <a:p>
             <a:pPr lvl="0"/>
             <a:r>
-              <a:rPr lang="en-GB" dirty="0"/>
-              <a:t>Sensor model → how states appear in sensor data</a:t>
+              <a:rPr lang="en-GB" b="1" dirty="0"/>
+              <a:t>Sensor model </a:t>
+            </a:r>
+            <a:r>
+              <a:rPr lang="en-GB" dirty="0"/>
+              <a:t>→ how states appear in sensor data</a:t>
             </a:r>
           </a:p>
           <a:p>
@@ -12303,8 +12409,12 @@
               </a:spcAft>
             </a:pPr>
             <a:r>
-              <a:rPr lang="en-GB" dirty="0"/>
-              <a:t>correct choice depends on the goal (destination).</a:t>
+              <a:rPr lang="en-GB" b="1" dirty="0"/>
+              <a:t>correct choice depends on the goal </a:t>
+            </a:r>
+            <a:r>
+              <a:rPr lang="en-GB" dirty="0"/>
+              <a:t>(destination)</a:t>
             </a:r>
           </a:p>
           <a:p>
@@ -12392,7 +12502,11 @@
             </a:pPr>
             <a:r>
               <a:rPr lang="en-GB" dirty="0"/>
-              <a:t>if sequence required → need search &amp; planning</a:t>
+              <a:t>if sequence required → need </a:t>
+            </a:r>
+            <a:r>
+              <a:rPr lang="en-GB" b="1" dirty="0"/>
+              <a:t>search &amp; planning</a:t>
             </a:r>
           </a:p>
         </p:txBody>
@@ -12550,8 +12664,12 @@
           <a:p>
             <a:pPr lvl="1"/>
             <a:r>
-              <a:rPr lang="en-GB" dirty="0"/>
-              <a:t>Tic-tac-toe: goal = win, use search algorithms (</a:t>
+              <a:rPr lang="en-GB" b="1" dirty="0"/>
+              <a:t>Tic-Tac-Toe</a:t>
+            </a:r>
+            <a:r>
+              <a:rPr lang="en-GB" dirty="0"/>
+              <a:t>: goal = win, use search algorithms (</a:t>
             </a:r>
             <a:r>
               <a:rPr lang="en-GB" b="1" dirty="0"/>
@@ -12621,7 +12739,11 @@
             <a:pPr lvl="0"/>
             <a:r>
               <a:rPr lang="en-GB" dirty="0"/>
-              <a:t>⚠️ Require planning &amp; search, which can be computationally expensive.</a:t>
+              <a:t>⚠️ Require planning &amp; search, which can be </a:t>
+            </a:r>
+            <a:r>
+              <a:rPr lang="en-GB" b="1" dirty="0"/>
+              <a:t>computationally expensive</a:t>
             </a:r>
           </a:p>
           <a:p>
@@ -12902,11 +13024,29 @@
             </a:r>
           </a:p>
           <a:p>
-            <a:pPr lvl="2"/>
-            <a:r>
-              <a:rPr lang="en-GB" dirty="0"/>
-              <a:t>Some are faster, safer, or more efficient</a:t>
-            </a:r>
+            <a:pPr lvl="2">
+              <a:spcBef>
+                <a:spcPts val="0"/>
+              </a:spcBef>
+              <a:spcAft>
+                <a:spcPts val="0"/>
+              </a:spcAft>
+            </a:pPr>
+            <a:r>
+              <a:rPr lang="en-GB" dirty="0"/>
+              <a:t>some are faster, safer, or more efficient</a:t>
+            </a:r>
+          </a:p>
+          <a:p>
+            <a:pPr lvl="2">
+              <a:spcBef>
+                <a:spcPts val="0"/>
+              </a:spcBef>
+              <a:spcAft>
+                <a:spcPts val="0"/>
+              </a:spcAft>
+            </a:pPr>
+            <a:endParaRPr lang="en-GB" sz="1100" dirty="0"/>
           </a:p>
           <a:p>
             <a:r>
@@ -13114,7 +13254,11 @@
             <a:pPr lvl="0"/>
             <a:r>
               <a:rPr lang="en-GB" dirty="0"/>
-              <a:t>Any agent type (model-based, goal-based, utility-based) can learn &amp; adapt</a:t>
+              <a:t>Any agent type (model-based, goal-based, utility-based) can </a:t>
+            </a:r>
+            <a:r>
+              <a:rPr lang="en-GB" b="1" dirty="0"/>
+              <a:t>learn &amp; adapt</a:t>
             </a:r>
           </a:p>
           <a:p>
@@ -13442,8 +13586,8 @@
         </p:nvSpPr>
         <p:spPr>
           <a:xfrm>
-            <a:off x="162750" y="1043733"/>
-            <a:ext cx="8818500" cy="5393034"/>
+            <a:off x="162750" y="1043732"/>
+            <a:ext cx="8818500" cy="5631387"/>
           </a:xfrm>
           <a:prstGeom prst="rect">
             <a:avLst/>
@@ -13458,15 +13602,7 @@
             <a:pPr lvl="0"/>
             <a:r>
               <a:rPr lang="en-GB" dirty="0"/>
-              <a:t>Simulates collective animal </a:t>
-            </a:r>
-            <a:r>
-              <a:rPr lang="en-GB" dirty="0" err="1"/>
-              <a:t>behavior</a:t>
-            </a:r>
-            <a:r>
-              <a:rPr lang="en-GB" dirty="0"/>
-              <a:t> (birds, fish, ants)</a:t>
+              <a:t>Simulates collective animal behaviour (birds, fish, ants)</a:t>
             </a:r>
           </a:p>
           <a:p>
@@ -13490,7 +13626,7 @@
               <a:t>Each agent = </a:t>
             </a:r>
             <a:r>
-              <a:rPr lang="en-GB" dirty="0" err="1"/>
+              <a:rPr lang="en-GB" b="1" dirty="0" err="1"/>
               <a:t>boid</a:t>
             </a:r>
             <a:r>
@@ -13571,7 +13707,7 @@
           </a:p>
           <a:p>
             <a:pPr lvl="0"/>
-            <a:endParaRPr lang="en-GB" dirty="0"/>
+            <a:endParaRPr lang="en-GB" sz="1100" dirty="0"/>
           </a:p>
           <a:p>
             <a:pPr lvl="0"/>
@@ -13589,15 +13725,7 @@
             </a:r>
             <a:r>
               <a:rPr lang="en-GB" dirty="0"/>
-              <a:t>: avoid crowding </a:t>
-            </a:r>
-            <a:r>
-              <a:rPr lang="en-GB" dirty="0" err="1"/>
-              <a:t>neighbors</a:t>
-            </a:r>
-            <a:r>
-              <a:rPr lang="en-GB" dirty="0"/>
-              <a:t> → prevents collisions</a:t>
+              <a:t>: avoid crowding neighbours → prevents collisions</a:t>
             </a:r>
           </a:p>
           <a:p>
@@ -13608,15 +13736,7 @@
             </a:r>
             <a:r>
               <a:rPr lang="en-GB" dirty="0"/>
-              <a:t>: move toward the average position of </a:t>
-            </a:r>
-            <a:r>
-              <a:rPr lang="en-GB" dirty="0" err="1"/>
-              <a:t>neighbors</a:t>
-            </a:r>
-            <a:r>
-              <a:rPr lang="en-GB" dirty="0"/>
-              <a:t> → stay together</a:t>
+              <a:t>: move toward the average position of neighbours → stay together</a:t>
             </a:r>
           </a:p>
           <a:p>
@@ -13627,15 +13747,7 @@
             </a:r>
             <a:r>
               <a:rPr lang="en-GB" dirty="0"/>
-              <a:t>: match the average heading of </a:t>
-            </a:r>
-            <a:r>
-              <a:rPr lang="en-GB" dirty="0" err="1"/>
-              <a:t>neighbors</a:t>
-            </a:r>
-            <a:r>
-              <a:rPr lang="en-GB" dirty="0"/>
-              <a:t> → move in same direction</a:t>
+              <a:t>: match the average heading of neighbours → move in same direction</a:t>
             </a:r>
           </a:p>
         </p:txBody>
@@ -13947,7 +14059,7 @@
         </p:nvSpPr>
         <p:spPr>
           <a:xfrm>
-            <a:off x="162750" y="1043733"/>
+            <a:off x="162750" y="1190037"/>
             <a:ext cx="8818500" cy="5224230"/>
           </a:xfrm>
           <a:prstGeom prst="rect">
@@ -14024,104 +14136,27 @@
             <a:pPr lvl="0"/>
             <a:r>
               <a:rPr lang="en-GB" dirty="0"/>
-              <a:t>Collective flocking = emergent behaviour from simple rules</a:t>
-            </a:r>
-          </a:p>
-          <a:p>
-            <a:pPr lvl="0"/>
-            <a:endParaRPr lang="en-GB" dirty="0"/>
-          </a:p>
-          <a:p>
-            <a:pPr lvl="0"/>
-            <a:r>
-              <a:rPr lang="en-GB" dirty="0"/>
-              <a:t>👉 Reynolds showed how distributed, local rules can create coherent global patterns, inspiring AI, robotics, and computer graphics.</a:t>
-            </a:r>
-          </a:p>
-          <a:p>
-            <a:pPr lvl="0"/>
-            <a:endParaRPr lang="en-GB" dirty="0"/>
-          </a:p>
-          <a:p>
-            <a:pPr lvl="0"/>
-            <a:endParaRPr lang="en-GB" dirty="0"/>
-          </a:p>
-          <a:p>
-            <a:pPr lvl="0"/>
-            <a:endParaRPr lang="en-GB" dirty="0"/>
-          </a:p>
-          <a:p>
-            <a:pPr lvl="0"/>
-            <a:endParaRPr lang="en-GB" dirty="0"/>
-          </a:p>
-          <a:p>
-            <a:pPr lvl="0"/>
-            <a:endParaRPr lang="en-GB" dirty="0"/>
-          </a:p>
-          <a:p>
-            <a:pPr lvl="0"/>
-            <a:endParaRPr lang="en-GB" dirty="0"/>
-          </a:p>
-          <a:p>
-            <a:pPr lvl="0"/>
-            <a:endParaRPr lang="en-GB" dirty="0"/>
-          </a:p>
-          <a:p>
-            <a:pPr lvl="0"/>
-            <a:endParaRPr lang="en-GB" dirty="0"/>
-          </a:p>
-          <a:p>
-            <a:pPr lvl="0"/>
-            <a:endParaRPr lang="en-GB" dirty="0"/>
-          </a:p>
-          <a:p>
-            <a:pPr lvl="0"/>
-            <a:endParaRPr lang="en-GB" dirty="0"/>
-          </a:p>
-          <a:p>
-            <a:pPr lvl="0"/>
-            <a:endParaRPr lang="en-GB" dirty="0"/>
-          </a:p>
-          <a:p>
-            <a:pPr lvl="0"/>
-            <a:endParaRPr lang="en-GB" dirty="0"/>
-          </a:p>
-          <a:p>
-            <a:pPr lvl="0"/>
-            <a:endParaRPr lang="en-GB" dirty="0"/>
-          </a:p>
-          <a:p>
-            <a:pPr lvl="0"/>
-            <a:endParaRPr lang="en-GB" dirty="0"/>
-          </a:p>
-          <a:p>
-            <a:pPr lvl="0"/>
-            <a:endParaRPr lang="en-GB" dirty="0"/>
-          </a:p>
-          <a:p>
-            <a:pPr lvl="0"/>
-            <a:endParaRPr lang="en-GB" dirty="0"/>
-          </a:p>
-          <a:p>
-            <a:endParaRPr lang="en-GB" dirty="0"/>
-          </a:p>
-          <a:p>
-            <a:pPr marL="120650" indent="0">
-              <a:buNone/>
-            </a:pPr>
-            <a:endParaRPr lang="en-GB" b="1" dirty="0"/>
-          </a:p>
-          <a:p>
-            <a:pPr lvl="0"/>
-            <a:endParaRPr lang="en-GB" dirty="0"/>
-          </a:p>
-          <a:p>
-            <a:pPr lvl="0"/>
-            <a:endParaRPr lang="en-GB" dirty="0"/>
-          </a:p>
-          <a:p>
-            <a:pPr lvl="1"/>
-            <a:endParaRPr lang="en-GB" dirty="0"/>
+              <a:t>Collective flocking = </a:t>
+            </a:r>
+            <a:r>
+              <a:rPr lang="en-GB" b="1" dirty="0"/>
+              <a:t>emergent behaviour </a:t>
+            </a:r>
+            <a:r>
+              <a:rPr lang="en-GB" dirty="0"/>
+              <a:t>from simple rules</a:t>
+            </a:r>
+          </a:p>
+          <a:p>
+            <a:pPr lvl="0"/>
+            <a:endParaRPr lang="en-GB" dirty="0"/>
+          </a:p>
+          <a:p>
+            <a:pPr lvl="0"/>
+            <a:r>
+              <a:rPr lang="en-GB" dirty="0"/>
+              <a:t>👉 Reynolds showed how distributed, local rules can create coherent global patterns, inspiring AI, robotics, and computer graphics</a:t>
+            </a:r>
           </a:p>
         </p:txBody>
       </p:sp>
@@ -14177,7 +14212,7 @@
         </p:blipFill>
         <p:spPr>
           <a:xfrm>
-            <a:off x="722812" y="1418444"/>
+            <a:off x="722812" y="1564748"/>
             <a:ext cx="990600" cy="546100"/>
           </a:xfrm>
           <a:prstGeom prst="rect">
@@ -14207,7 +14242,7 @@
         </p:blipFill>
         <p:spPr>
           <a:xfrm>
-            <a:off x="722812" y="2460566"/>
+            <a:off x="722812" y="2606870"/>
             <a:ext cx="5921828" cy="419657"/>
           </a:xfrm>
           <a:prstGeom prst="rect">
@@ -14237,7 +14272,7 @@
         </p:blipFill>
         <p:spPr>
           <a:xfrm>
-            <a:off x="722812" y="3655848"/>
+            <a:off x="722812" y="3747288"/>
             <a:ext cx="2804704" cy="881696"/>
           </a:xfrm>
           <a:prstGeom prst="rect">
@@ -14786,11 +14821,7 @@
             </a:r>
             <a:r>
               <a:rPr lang="en-GB" b="1" dirty="0"/>
-              <a:t>entire sequence of </a:t>
-            </a:r>
-            <a:r>
-              <a:rPr lang="en-GB" b="1" dirty="0" err="1"/>
-              <a:t>percepts</a:t>
+              <a:t>entire sequence of percepts</a:t>
             </a:r>
             <a:r>
               <a:rPr lang="en-GB" dirty="0"/>
@@ -15125,7 +15156,7 @@
             </a:pPr>
             <a:r>
               <a:rPr lang="en-GB" dirty="0"/>
-              <a:t>Function: depend on entire percept history → agent must remember4</a:t>
+              <a:t>Function: depend on entire percept history → agent must remember</a:t>
             </a:r>
           </a:p>
           <a:p>
@@ -15137,12 +15168,16 @@
                 <a:spcPts val="0"/>
               </a:spcAft>
             </a:pPr>
-            <a:endParaRPr lang="en-GB" dirty="0"/>
-          </a:p>
-          <a:p>
-            <a:r>
-              <a:rPr lang="en-GB" dirty="0"/>
-              <a:t>The Lookup Table approach</a:t>
+            <a:endParaRPr lang="en-GB" sz="500" dirty="0"/>
+          </a:p>
+          <a:p>
+            <a:r>
+              <a:rPr lang="en-GB" dirty="0"/>
+              <a:t>The </a:t>
+            </a:r>
+            <a:r>
+              <a:rPr lang="en-GB" b="1" dirty="0"/>
+              <a:t>Lookup Table approach</a:t>
             </a:r>
           </a:p>
           <a:p>
@@ -15174,17 +15209,6 @@
             </a:r>
           </a:p>
           <a:p>
-            <a:pPr lvl="1">
-              <a:spcBef>
-                <a:spcPts val="0"/>
-              </a:spcBef>
-              <a:spcAft>
-                <a:spcPts val="0"/>
-              </a:spcAft>
-            </a:pPr>
-            <a:endParaRPr lang="en-GB" dirty="0"/>
-          </a:p>
-          <a:p>
             <a:pPr lvl="2">
               <a:spcBef>
                 <a:spcPts val="0"/>
@@ -15195,13 +15219,8 @@
             </a:pPr>
             <a:r>
               <a:rPr lang="en-GB" dirty="0"/>
-              <a:t>P = number of possible </a:t>
-            </a:r>
-            <a:r>
-              <a:rPr lang="en-GB" dirty="0" err="1"/>
-              <a:t>percepts</a:t>
-            </a:r>
-            <a:endParaRPr lang="en-GB" dirty="0"/>
+              <a:t>P = number of possible percepts</a:t>
+            </a:r>
           </a:p>
           <a:p>
             <a:pPr lvl="2">
@@ -15214,16 +15233,33 @@
             </a:pPr>
             <a:r>
               <a:rPr lang="en-GB" dirty="0"/>
-              <a:t>T = agent lifetime (number of </a:t>
-            </a:r>
-            <a:r>
-              <a:rPr lang="en-GB" dirty="0" err="1"/>
-              <a:t>percepts</a:t>
-            </a:r>
-            <a:r>
-              <a:rPr lang="en-GB" dirty="0"/>
-              <a:t>)</a:t>
-            </a:r>
+              <a:t>T = agent lifetime (number of percepts)</a:t>
+            </a:r>
+          </a:p>
+          <a:p>
+            <a:pPr lvl="2">
+              <a:spcBef>
+                <a:spcPts val="0"/>
+              </a:spcBef>
+              <a:spcAft>
+                <a:spcPts val="0"/>
+              </a:spcAft>
+            </a:pPr>
+            <a:r>
+              <a:rPr lang="en-GB" dirty="0"/>
+              <a:t>E = number of entries </a:t>
+            </a:r>
+          </a:p>
+          <a:p>
+            <a:pPr lvl="2">
+              <a:spcBef>
+                <a:spcPts val="0"/>
+              </a:spcBef>
+              <a:spcAft>
+                <a:spcPts val="0"/>
+              </a:spcAft>
+            </a:pPr>
+            <a:endParaRPr lang="en-GB" sz="500" dirty="0"/>
           </a:p>
           <a:p>
             <a:r>
@@ -15268,13 +15304,15 @@
             </a:r>
           </a:p>
           <a:p>
+            <a:pPr lvl="1"/>
             <a:r>
               <a:rPr lang="en-GB" dirty="0"/>
               <a:t>⚠️ Lookup tables are physically impossible to store, design, or learn</a:t>
             </a:r>
           </a:p>
           <a:p>
-            <a:endParaRPr lang="en-GB" dirty="0"/>
+            <a:pPr lvl="1"/>
+            <a:endParaRPr lang="en-GB" sz="500" dirty="0"/>
           </a:p>
           <a:p>
             <a:r>
@@ -15319,6 +15357,36 @@
           </a:p>
         </p:txBody>
       </p:sp>
+      <p:pic>
+        <p:nvPicPr>
+          <p:cNvPr id="2" name="Immagine 1" descr="Immagine che contiene Carattere, bianco, testo, simbolo&#10;&#10;Il contenuto generato dall'IA potrebbe non essere corretto.">
+            <a:extLst>
+              <a:ext uri="{FF2B5EF4-FFF2-40B4-BE49-F238E27FC236}">
+                <a16:creationId xmlns:a16="http://schemas.microsoft.com/office/drawing/2014/main" id="{3AF52F89-834A-B567-C041-4AFBFAE91D9C}"/>
+              </a:ext>
+            </a:extLst>
+          </p:cNvPr>
+          <p:cNvPicPr>
+            <a:picLocks noChangeAspect="1"/>
+          </p:cNvPicPr>
+          <p:nvPr/>
+        </p:nvPicPr>
+        <p:blipFill>
+          <a:blip r:embed="rId3"/>
+          <a:stretch>
+            <a:fillRect/>
+          </a:stretch>
+        </p:blipFill>
+        <p:spPr>
+          <a:xfrm>
+            <a:off x="5102225" y="3151476"/>
+            <a:ext cx="977900" cy="673100"/>
+          </a:xfrm>
+          <a:prstGeom prst="rect">
+            <a:avLst/>
+          </a:prstGeom>
+        </p:spPr>
+      </p:pic>
     </p:spTree>
     <p:extLst>
       <p:ext uri="{BB962C8B-B14F-4D97-AF65-F5344CB8AC3E}">
@@ -15450,7 +15518,7 @@
             </a:pPr>
             <a:r>
               <a:rPr lang="en-GB" dirty="0"/>
-              <a:t>its properties determine how the agent program must be designed.</a:t>
+              <a:t>its properties determine how the agent program must be designed</a:t>
             </a:r>
           </a:p>
           <a:p>
@@ -15474,7 +15542,7 @@
             </a:r>
             <a:r>
               <a:rPr lang="en-GB" dirty="0"/>
-              <a:t>: sensors give complete info → no need for internal state.</a:t>
+              <a:t>: sensors give complete info → no need for internal state</a:t>
             </a:r>
           </a:p>
           <a:p>
@@ -15492,7 +15560,7 @@
             </a:r>
             <a:r>
               <a:rPr lang="en-GB" dirty="0"/>
-              <a:t>: limited/noisy sensors → agent must track hidden info.</a:t>
+              <a:t>: limited/noisy sensors → agent must track hidden info</a:t>
             </a:r>
           </a:p>
           <a:p>
@@ -15506,7 +15574,7 @@
             </a:pPr>
             <a:r>
               <a:rPr lang="en-GB" dirty="0"/>
-              <a:t>vacuum with only local dirt sensor.</a:t>
+              <a:t>vacuum with only local dirt sensor</a:t>
             </a:r>
           </a:p>
           <a:p>
@@ -15530,7 +15598,7 @@
             </a:r>
             <a:r>
               <a:rPr lang="en-GB" dirty="0"/>
-              <a:t>: only one agent influences outcomes.</a:t>
+              <a:t>: only one agent influences outcomes</a:t>
             </a:r>
           </a:p>
           <a:p>
@@ -15548,7 +15616,7 @@
             </a:r>
             <a:r>
               <a:rPr lang="en-GB" dirty="0"/>
-              <a:t>: multiple agents interact.</a:t>
+              <a:t>: multiple agents interact</a:t>
             </a:r>
           </a:p>
           <a:p>
@@ -15562,7 +15630,7 @@
             </a:pPr>
             <a:r>
               <a:rPr lang="en-GB" dirty="0"/>
-              <a:t>Competitive (chess, poker): opponents reduce your performance → randomization may be useful.</a:t>
+              <a:t>Competitive (chess, poker): opponents reduce your performance → randomization may be useful</a:t>
             </a:r>
           </a:p>
           <a:p>
@@ -15576,7 +15644,7 @@
             </a:pPr>
             <a:r>
               <a:rPr lang="en-GB" dirty="0"/>
-              <a:t>Cooperative (taxi-driving): shared goals → communication is rational.</a:t>
+              <a:t>Cooperative (taxi-driving): shared goals → communication is rational</a:t>
             </a:r>
           </a:p>
           <a:p>
@@ -15600,7 +15668,7 @@
             </a:r>
             <a:r>
               <a:rPr lang="en-GB" dirty="0"/>
-              <a:t>: next state fully determined by current state + action.</a:t>
+              <a:t>: next state fully determined by current state + action</a:t>
             </a:r>
           </a:p>
           <a:p>
@@ -15618,7 +15686,7 @@
             </a:r>
             <a:r>
               <a:rPr lang="en-GB" dirty="0"/>
-              <a:t>: outcomes uncertain.</a:t>
+              <a:t>: outcomes uncertain</a:t>
             </a:r>
           </a:p>
           <a:p>
@@ -15636,7 +15704,7 @@
             </a:r>
             <a:r>
               <a:rPr lang="en-GB" dirty="0"/>
-              <a:t>: outcome probabilities known.</a:t>
+              <a:t>: outcome probabilities known</a:t>
             </a:r>
           </a:p>
           <a:p>
@@ -15650,7 +15718,7 @@
             </a:pPr>
             <a:r>
               <a:rPr lang="en-GB" dirty="0"/>
-              <a:t>Partial observability can make a deterministic world appear non-deterministic.</a:t>
+              <a:t>Partial observability can make a deterministic world appear non-deterministic</a:t>
             </a:r>
           </a:p>
           <a:p>
@@ -15674,7 +15742,7 @@
             </a:r>
             <a:r>
               <a:rPr lang="en-GB" dirty="0"/>
-              <a:t>: unchanged while agent deliberates (crossword).</a:t>
+              <a:t>: unchanged while agent deliberates (crossword)</a:t>
             </a:r>
           </a:p>
           <a:p>
@@ -15692,7 +15760,7 @@
             </a:r>
             <a:r>
               <a:rPr lang="en-GB" dirty="0"/>
-              <a:t>: changes while agent thinks (driving).</a:t>
+              <a:t>: changes while agent thinks (driving)</a:t>
             </a:r>
           </a:p>
           <a:p>
@@ -15705,17 +15773,13 @@
               </a:spcAft>
             </a:pPr>
             <a:r>
-              <a:rPr lang="en-GB" dirty="0" err="1"/>
-              <a:t>Semidynamic</a:t>
-            </a:r>
-            <a:r>
-              <a:rPr lang="en-GB" dirty="0"/>
-              <a:t>: environment static but score evolves (chess with a clock).</a:t>
-            </a:r>
-          </a:p>
-          <a:p>
-            <a:pPr lvl="0"/>
-            <a:endParaRPr lang="en-GB" dirty="0"/>
+              <a:rPr lang="en-GB" b="1" dirty="0"/>
+              <a:t>Semi-dynamic</a:t>
+            </a:r>
+            <a:r>
+              <a:rPr lang="en-GB" dirty="0"/>
+              <a:t>: environment static but performance evolves (chess with a clock)</a:t>
+            </a:r>
           </a:p>
           <a:p>
             <a:pPr lvl="0"/>
@@ -15890,15 +15954,7 @@
             </a:r>
             <a:r>
               <a:rPr lang="en-GB" dirty="0"/>
-              <a:t>: limited states, </a:t>
-            </a:r>
-            <a:r>
-              <a:rPr lang="en-GB" dirty="0" err="1"/>
-              <a:t>percepts</a:t>
-            </a:r>
-            <a:r>
-              <a:rPr lang="en-GB" dirty="0"/>
-              <a:t>, actions (chess)</a:t>
+              <a:t>: limited states, percepts, actions (chess)</a:t>
             </a:r>
           </a:p>
           <a:p>
@@ -16110,13 +16166,17 @@
           <a:p>
             <a:r>
               <a:rPr lang="en-GB" dirty="0"/>
-              <a:t>The Hardest Case: partially observable, multi-agent, nondeterministic, dynamic, continuous, unknown</a:t>
-            </a:r>
-          </a:p>
-          <a:p>
-            <a:r>
-              <a:rPr lang="en-GB" dirty="0"/>
-              <a:t>Autonomous driving combines all these difficulties</a:t>
+              <a:t>The Hardest Case: partially observable, multi-agent, stochastic, dynamic, continuous</a:t>
+            </a:r>
+          </a:p>
+          <a:p>
+            <a:r>
+              <a:rPr lang="en-GB" b="1" dirty="0"/>
+              <a:t>Autonomous driving </a:t>
+            </a:r>
+            <a:r>
+              <a:rPr lang="en-GB" dirty="0"/>
+              <a:t>combines all these difficulties</a:t>
             </a:r>
           </a:p>
           <a:p>
@@ -16174,10 +16234,10 @@
       </p:sp>
       <p:pic>
         <p:nvPicPr>
-          <p:cNvPr id="3" name="Immagine 2" descr="Immagine che contiene testo, Carattere, numero, schermata&#10;&#10;Il contenuto generato dall'IA potrebbe non essere corretto.">
+          <p:cNvPr id="4" name="Immagine 3">
             <a:extLst>
               <a:ext uri="{FF2B5EF4-FFF2-40B4-BE49-F238E27FC236}">
-                <a16:creationId xmlns:a16="http://schemas.microsoft.com/office/drawing/2014/main" id="{8F0AF2D0-271D-36E7-5CED-1D8E4D374648}"/>
+                <a16:creationId xmlns:a16="http://schemas.microsoft.com/office/drawing/2014/main" id="{88DD99C6-6611-FF59-5777-CE5097021290}"/>
               </a:ext>
             </a:extLst>
           </p:cNvPr>
@@ -16194,8 +16254,8 @@
         </p:blipFill>
         <p:spPr>
           <a:xfrm>
-            <a:off x="636164" y="3026358"/>
-            <a:ext cx="5636342" cy="2487400"/>
+            <a:off x="311700" y="2908088"/>
+            <a:ext cx="5226304" cy="2680588"/>
           </a:xfrm>
           <a:prstGeom prst="rect">
             <a:avLst/>
@@ -16422,7 +16482,7 @@
             </a:pPr>
             <a:r>
               <a:rPr lang="en-GB" dirty="0"/>
-              <a:t>Stay idle when sure the floor is clean.	</a:t>
+              <a:t>stay idle when sure the floor is clean	</a:t>
             </a:r>
           </a:p>
           <a:p>
@@ -16436,7 +16496,7 @@
             </a:pPr>
             <a:r>
               <a:rPr lang="en-GB" dirty="0"/>
-              <a:t>Periodically check if recontamination is possible.</a:t>
+              <a:t>periodically check if recontamination is possible</a:t>
             </a:r>
           </a:p>
           <a:p>
@@ -16511,7 +16571,7 @@
             </a:pPr>
             <a:r>
               <a:rPr lang="en-GB" dirty="0"/>
-              <a:t>learns from experience to improve over time.</a:t>
+              <a:t>learns from experience to improve over time</a:t>
             </a:r>
           </a:p>
           <a:p>
@@ -16553,7 +16613,7 @@
             </a:pPr>
             <a:r>
               <a:rPr lang="en-GB" dirty="0"/>
-              <a:t>Predictive one is more rational across varied environments.</a:t>
+              <a:t>Predictive one is more rational across varied environments</a:t>
             </a:r>
           </a:p>
           <a:p>
@@ -17140,15 +17200,6 @@
 </file>
 
 <file path=customXml/item1.xml><?xml version="1.0" encoding="utf-8"?>
-<?mso-contentType ?>
-<FormTemplates xmlns="http://schemas.microsoft.com/sharepoint/v3/contenttype/forms">
-  <Display>DocumentLibraryForm</Display>
-  <Edit>DocumentLibraryForm</Edit>
-  <New>DocumentLibraryForm</New>
-</FormTemplates>
-</file>
-
-<file path=customXml/item2.xml><?xml version="1.0" encoding="utf-8"?>
 <ct:contentTypeSchema xmlns:ct="http://schemas.microsoft.com/office/2006/metadata/contentType" xmlns:ma="http://schemas.microsoft.com/office/2006/metadata/properties/metaAttributes" ct:_="" ma:_="" ma:contentTypeName="Documento" ma:contentTypeID="0x010100B8FA822B18A0634FB7342CF29752587A" ma:contentTypeVersion="13" ma:contentTypeDescription="Creare un nuovo documento." ma:contentTypeScope="" ma:versionID="5c5a1a1f66437ceed8e2102d49525b77">
   <xsd:schema xmlns:xsd="http://www.w3.org/2001/XMLSchema" xmlns:xs="http://www.w3.org/2001/XMLSchema" xmlns:p="http://schemas.microsoft.com/office/2006/metadata/properties" xmlns:ns2="3bd0d43f-5e5b-43cd-b6fc-691bd77672c6" xmlns:ns3="e9b5433c-2372-4cb7-8bab-09518096b29b" targetNamespace="http://schemas.microsoft.com/office/2006/metadata/properties" ma:root="true" ma:fieldsID="79bbaae61552c66980d55f32a6cab4b6" ns2:_="" ns3:_="">
     <xsd:import namespace="3bd0d43f-5e5b-43cd-b6fc-691bd77672c6"/>
@@ -17355,7 +17406,7 @@
 </ct:contentTypeSchema>
 </file>
 
-<file path=customXml/item3.xml><?xml version="1.0" encoding="utf-8"?>
+<file path=customXml/item2.xml><?xml version="1.0" encoding="utf-8"?>
 <p:properties xmlns:p="http://schemas.microsoft.com/office/2006/metadata/properties" xmlns:xsi="http://www.w3.org/2001/XMLSchema-instance" xmlns:pc="http://schemas.microsoft.com/office/infopath/2007/PartnerControls">
   <documentManagement>
     <TaxCatchAll xmlns="e9b5433c-2372-4cb7-8bab-09518096b29b" xsi:nil="true"/>
@@ -17366,15 +17417,16 @@
 </p:properties>
 </file>
 
-<file path=customXml/itemProps1.xml><?xml version="1.0" encoding="utf-8"?>
-<ds:datastoreItem xmlns:ds="http://schemas.openxmlformats.org/officeDocument/2006/customXml" ds:itemID="{9A30388A-CCF7-4970-A513-DBB915DFEE8F}">
-  <ds:schemaRefs>
-    <ds:schemaRef ds:uri="http://schemas.microsoft.com/sharepoint/v3/contenttype/forms"/>
-  </ds:schemaRefs>
-</ds:datastoreItem>
+<file path=customXml/item3.xml><?xml version="1.0" encoding="utf-8"?>
+<?mso-contentType ?>
+<FormTemplates xmlns="http://schemas.microsoft.com/sharepoint/v3/contenttype/forms">
+  <Display>DocumentLibraryForm</Display>
+  <Edit>DocumentLibraryForm</Edit>
+  <New>DocumentLibraryForm</New>
+</FormTemplates>
 </file>
 
-<file path=customXml/itemProps2.xml><?xml version="1.0" encoding="utf-8"?>
+<file path=customXml/itemProps1.xml><?xml version="1.0" encoding="utf-8"?>
 <ds:datastoreItem xmlns:ds="http://schemas.openxmlformats.org/officeDocument/2006/customXml" ds:itemID="{748164A7-BB00-4FFA-B805-7975D77B9216}">
   <ds:schemaRefs>
     <ds:schemaRef ds:uri="http://schemas.microsoft.com/office/2006/metadata/contentType"/>
@@ -17393,19 +17445,27 @@
 </ds:datastoreItem>
 </file>
 
-<file path=customXml/itemProps3.xml><?xml version="1.0" encoding="utf-8"?>
+<file path=customXml/itemProps2.xml><?xml version="1.0" encoding="utf-8"?>
 <ds:datastoreItem xmlns:ds="http://schemas.openxmlformats.org/officeDocument/2006/customXml" ds:itemID="{5CCE7217-A2D6-456E-853C-D4A15542B293}">
   <ds:schemaRefs>
+    <ds:schemaRef ds:uri="http://purl.org/dc/dcmitype/"/>
     <ds:schemaRef ds:uri="e9b5433c-2372-4cb7-8bab-09518096b29b"/>
     <ds:schemaRef ds:uri="http://purl.org/dc/terms/"/>
-    <ds:schemaRef ds:uri="http://purl.org/dc/dcmitype/"/>
+    <ds:schemaRef ds:uri="http://schemas.microsoft.com/office/infopath/2007/PartnerControls"/>
     <ds:schemaRef ds:uri="http://schemas.microsoft.com/office/2006/documentManagement/types"/>
     <ds:schemaRef ds:uri="http://purl.org/dc/elements/1.1/"/>
-    <ds:schemaRef ds:uri="http://www.w3.org/XML/1998/namespace"/>
-    <ds:schemaRef ds:uri="http://schemas.microsoft.com/office/infopath/2007/PartnerControls"/>
     <ds:schemaRef ds:uri="http://schemas.openxmlformats.org/package/2006/metadata/core-properties"/>
     <ds:schemaRef ds:uri="3bd0d43f-5e5b-43cd-b6fc-691bd77672c6"/>
     <ds:schemaRef ds:uri="http://schemas.microsoft.com/office/2006/metadata/properties"/>
+    <ds:schemaRef ds:uri="http://www.w3.org/XML/1998/namespace"/>
+  </ds:schemaRefs>
+</ds:datastoreItem>
+</file>
+
+<file path=customXml/itemProps3.xml><?xml version="1.0" encoding="utf-8"?>
+<ds:datastoreItem xmlns:ds="http://schemas.openxmlformats.org/officeDocument/2006/customXml" ds:itemID="{9A30388A-CCF7-4970-A513-DBB915DFEE8F}">
+  <ds:schemaRefs>
+    <ds:schemaRef ds:uri="http://schemas.microsoft.com/sharepoint/v3/contenttype/forms"/>
   </ds:schemaRefs>
 </ds:datastoreItem>
 </file>